--- a/Artefakte/Audit 3/Entwicklungsprojekt202122_PettingerJetz.pptx
+++ b/Artefakte/Audit 3/Entwicklungsprojekt202122_PettingerJetz.pptx
@@ -5,13 +5,18 @@
     <p:sldMasterId id="2147483648" r:id="rId1"/>
   </p:sldMasterIdLst>
   <p:notesMasterIdLst>
-    <p:notesMasterId r:id="rId3"/>
+    <p:notesMasterId r:id="rId8"/>
   </p:notesMasterIdLst>
   <p:handoutMasterIdLst>
-    <p:handoutMasterId r:id="rId4"/>
+    <p:handoutMasterId r:id="rId9"/>
   </p:handoutMasterIdLst>
   <p:sldIdLst>
     <p:sldId id="256" r:id="rId2"/>
+    <p:sldId id="259" r:id="rId3"/>
+    <p:sldId id="260" r:id="rId4"/>
+    <p:sldId id="258" r:id="rId5"/>
+    <p:sldId id="261" r:id="rId6"/>
+    <p:sldId id="257" r:id="rId7"/>
   </p:sldIdLst>
   <p:sldSz cx="9144000" cy="6858000" type="screen4x3"/>
   <p:notesSz cx="9601200" cy="7315200"/>
@@ -2235,6 +2240,311 @@
     <p:extLst>
       <p:ext uri="{BB962C8B-B14F-4D97-AF65-F5344CB8AC3E}">
         <p14:creationId xmlns:p14="http://schemas.microsoft.com/office/powerpoint/2010/main" val="3000470649"/>
+      </p:ext>
+    </p:extLst>
+  </p:cSld>
+  <p:clrMapOvr>
+    <a:masterClrMapping/>
+  </p:clrMapOvr>
+</p:notes>
+</file>
+
+<file path=ppt/notesSlides/notesSlide2.xml><?xml version="1.0" encoding="utf-8"?>
+<p:notes xmlns:a="http://schemas.openxmlformats.org/drawingml/2006/main" xmlns:r="http://schemas.openxmlformats.org/officeDocument/2006/relationships" xmlns:p="http://schemas.openxmlformats.org/presentationml/2006/main">
+  <p:cSld>
+    <p:spTree>
+      <p:nvGrpSpPr>
+        <p:cNvPr id="1" name=""/>
+        <p:cNvGrpSpPr/>
+        <p:nvPr/>
+      </p:nvGrpSpPr>
+      <p:grpSpPr>
+        <a:xfrm>
+          <a:off x="0" y="0"/>
+          <a:ext cx="0" cy="0"/>
+          <a:chOff x="0" y="0"/>
+          <a:chExt cx="0" cy="0"/>
+        </a:xfrm>
+      </p:grpSpPr>
+      <p:sp>
+        <p:nvSpPr>
+          <p:cNvPr id="2" name="Folienbildplatzhalter 1"/>
+          <p:cNvSpPr>
+            <a:spLocks noGrp="1" noRot="1" noChangeAspect="1"/>
+          </p:cNvSpPr>
+          <p:nvPr>
+            <p:ph type="sldImg"/>
+          </p:nvPr>
+        </p:nvSpPr>
+        <p:spPr/>
+      </p:sp>
+      <p:sp>
+        <p:nvSpPr>
+          <p:cNvPr id="3" name="Notizenplatzhalter 2"/>
+          <p:cNvSpPr>
+            <a:spLocks noGrp="1"/>
+          </p:cNvSpPr>
+          <p:nvPr>
+            <p:ph type="body" idx="1"/>
+          </p:nvPr>
+        </p:nvSpPr>
+        <p:spPr/>
+        <p:txBody>
+          <a:bodyPr/>
+          <a:lstStyle/>
+          <a:p>
+            <a:endParaRPr lang="de-DE" dirty="0"/>
+          </a:p>
+        </p:txBody>
+      </p:sp>
+    </p:spTree>
+    <p:extLst>
+      <p:ext uri="{BB962C8B-B14F-4D97-AF65-F5344CB8AC3E}">
+        <p14:creationId xmlns:p14="http://schemas.microsoft.com/office/powerpoint/2010/main" val="2877183253"/>
+      </p:ext>
+    </p:extLst>
+  </p:cSld>
+  <p:clrMapOvr>
+    <a:masterClrMapping/>
+  </p:clrMapOvr>
+</p:notes>
+</file>
+
+<file path=ppt/notesSlides/notesSlide3.xml><?xml version="1.0" encoding="utf-8"?>
+<p:notes xmlns:a="http://schemas.openxmlformats.org/drawingml/2006/main" xmlns:r="http://schemas.openxmlformats.org/officeDocument/2006/relationships" xmlns:p="http://schemas.openxmlformats.org/presentationml/2006/main">
+  <p:cSld>
+    <p:spTree>
+      <p:nvGrpSpPr>
+        <p:cNvPr id="1" name=""/>
+        <p:cNvGrpSpPr/>
+        <p:nvPr/>
+      </p:nvGrpSpPr>
+      <p:grpSpPr>
+        <a:xfrm>
+          <a:off x="0" y="0"/>
+          <a:ext cx="0" cy="0"/>
+          <a:chOff x="0" y="0"/>
+          <a:chExt cx="0" cy="0"/>
+        </a:xfrm>
+      </p:grpSpPr>
+      <p:sp>
+        <p:nvSpPr>
+          <p:cNvPr id="2" name="Folienbildplatzhalter 1"/>
+          <p:cNvSpPr>
+            <a:spLocks noGrp="1" noRot="1" noChangeAspect="1"/>
+          </p:cNvSpPr>
+          <p:nvPr>
+            <p:ph type="sldImg"/>
+          </p:nvPr>
+        </p:nvSpPr>
+        <p:spPr/>
+      </p:sp>
+      <p:sp>
+        <p:nvSpPr>
+          <p:cNvPr id="3" name="Notizenplatzhalter 2"/>
+          <p:cNvSpPr>
+            <a:spLocks noGrp="1"/>
+          </p:cNvSpPr>
+          <p:nvPr>
+            <p:ph type="body" idx="1"/>
+          </p:nvPr>
+        </p:nvSpPr>
+        <p:spPr/>
+        <p:txBody>
+          <a:bodyPr/>
+          <a:lstStyle/>
+          <a:p>
+            <a:endParaRPr lang="de-DE" dirty="0"/>
+          </a:p>
+        </p:txBody>
+      </p:sp>
+    </p:spTree>
+    <p:extLst>
+      <p:ext uri="{BB962C8B-B14F-4D97-AF65-F5344CB8AC3E}">
+        <p14:creationId xmlns:p14="http://schemas.microsoft.com/office/powerpoint/2010/main" val="3935446646"/>
+      </p:ext>
+    </p:extLst>
+  </p:cSld>
+  <p:clrMapOvr>
+    <a:masterClrMapping/>
+  </p:clrMapOvr>
+</p:notes>
+</file>
+
+<file path=ppt/notesSlides/notesSlide4.xml><?xml version="1.0" encoding="utf-8"?>
+<p:notes xmlns:a="http://schemas.openxmlformats.org/drawingml/2006/main" xmlns:r="http://schemas.openxmlformats.org/officeDocument/2006/relationships" xmlns:p="http://schemas.openxmlformats.org/presentationml/2006/main">
+  <p:cSld>
+    <p:spTree>
+      <p:nvGrpSpPr>
+        <p:cNvPr id="1" name=""/>
+        <p:cNvGrpSpPr/>
+        <p:nvPr/>
+      </p:nvGrpSpPr>
+      <p:grpSpPr>
+        <a:xfrm>
+          <a:off x="0" y="0"/>
+          <a:ext cx="0" cy="0"/>
+          <a:chOff x="0" y="0"/>
+          <a:chExt cx="0" cy="0"/>
+        </a:xfrm>
+      </p:grpSpPr>
+      <p:sp>
+        <p:nvSpPr>
+          <p:cNvPr id="2" name="Folienbildplatzhalter 1"/>
+          <p:cNvSpPr>
+            <a:spLocks noGrp="1" noRot="1" noChangeAspect="1"/>
+          </p:cNvSpPr>
+          <p:nvPr>
+            <p:ph type="sldImg"/>
+          </p:nvPr>
+        </p:nvSpPr>
+        <p:spPr/>
+      </p:sp>
+      <p:sp>
+        <p:nvSpPr>
+          <p:cNvPr id="3" name="Notizenplatzhalter 2"/>
+          <p:cNvSpPr>
+            <a:spLocks noGrp="1"/>
+          </p:cNvSpPr>
+          <p:nvPr>
+            <p:ph type="body" idx="1"/>
+          </p:nvPr>
+        </p:nvSpPr>
+        <p:spPr/>
+        <p:txBody>
+          <a:bodyPr/>
+          <a:lstStyle/>
+          <a:p>
+            <a:endParaRPr lang="de-DE" dirty="0"/>
+          </a:p>
+        </p:txBody>
+      </p:sp>
+    </p:spTree>
+    <p:extLst>
+      <p:ext uri="{BB962C8B-B14F-4D97-AF65-F5344CB8AC3E}">
+        <p14:creationId xmlns:p14="http://schemas.microsoft.com/office/powerpoint/2010/main" val="583571266"/>
+      </p:ext>
+    </p:extLst>
+  </p:cSld>
+  <p:clrMapOvr>
+    <a:masterClrMapping/>
+  </p:clrMapOvr>
+</p:notes>
+</file>
+
+<file path=ppt/notesSlides/notesSlide5.xml><?xml version="1.0" encoding="utf-8"?>
+<p:notes xmlns:a="http://schemas.openxmlformats.org/drawingml/2006/main" xmlns:r="http://schemas.openxmlformats.org/officeDocument/2006/relationships" xmlns:p="http://schemas.openxmlformats.org/presentationml/2006/main">
+  <p:cSld>
+    <p:spTree>
+      <p:nvGrpSpPr>
+        <p:cNvPr id="1" name=""/>
+        <p:cNvGrpSpPr/>
+        <p:nvPr/>
+      </p:nvGrpSpPr>
+      <p:grpSpPr>
+        <a:xfrm>
+          <a:off x="0" y="0"/>
+          <a:ext cx="0" cy="0"/>
+          <a:chOff x="0" y="0"/>
+          <a:chExt cx="0" cy="0"/>
+        </a:xfrm>
+      </p:grpSpPr>
+      <p:sp>
+        <p:nvSpPr>
+          <p:cNvPr id="2" name="Folienbildplatzhalter 1"/>
+          <p:cNvSpPr>
+            <a:spLocks noGrp="1" noRot="1" noChangeAspect="1"/>
+          </p:cNvSpPr>
+          <p:nvPr>
+            <p:ph type="sldImg"/>
+          </p:nvPr>
+        </p:nvSpPr>
+        <p:spPr/>
+      </p:sp>
+      <p:sp>
+        <p:nvSpPr>
+          <p:cNvPr id="3" name="Notizenplatzhalter 2"/>
+          <p:cNvSpPr>
+            <a:spLocks noGrp="1"/>
+          </p:cNvSpPr>
+          <p:nvPr>
+            <p:ph type="body" idx="1"/>
+          </p:nvPr>
+        </p:nvSpPr>
+        <p:spPr/>
+        <p:txBody>
+          <a:bodyPr/>
+          <a:lstStyle/>
+          <a:p>
+            <a:endParaRPr lang="de-DE" dirty="0"/>
+          </a:p>
+        </p:txBody>
+      </p:sp>
+    </p:spTree>
+    <p:extLst>
+      <p:ext uri="{BB962C8B-B14F-4D97-AF65-F5344CB8AC3E}">
+        <p14:creationId xmlns:p14="http://schemas.microsoft.com/office/powerpoint/2010/main" val="2301748786"/>
+      </p:ext>
+    </p:extLst>
+  </p:cSld>
+  <p:clrMapOvr>
+    <a:masterClrMapping/>
+  </p:clrMapOvr>
+</p:notes>
+</file>
+
+<file path=ppt/notesSlides/notesSlide6.xml><?xml version="1.0" encoding="utf-8"?>
+<p:notes xmlns:a="http://schemas.openxmlformats.org/drawingml/2006/main" xmlns:r="http://schemas.openxmlformats.org/officeDocument/2006/relationships" xmlns:p="http://schemas.openxmlformats.org/presentationml/2006/main">
+  <p:cSld>
+    <p:spTree>
+      <p:nvGrpSpPr>
+        <p:cNvPr id="1" name=""/>
+        <p:cNvGrpSpPr/>
+        <p:nvPr/>
+      </p:nvGrpSpPr>
+      <p:grpSpPr>
+        <a:xfrm>
+          <a:off x="0" y="0"/>
+          <a:ext cx="0" cy="0"/>
+          <a:chOff x="0" y="0"/>
+          <a:chExt cx="0" cy="0"/>
+        </a:xfrm>
+      </p:grpSpPr>
+      <p:sp>
+        <p:nvSpPr>
+          <p:cNvPr id="2" name="Folienbildplatzhalter 1"/>
+          <p:cNvSpPr>
+            <a:spLocks noGrp="1" noRot="1" noChangeAspect="1"/>
+          </p:cNvSpPr>
+          <p:nvPr>
+            <p:ph type="sldImg"/>
+          </p:nvPr>
+        </p:nvSpPr>
+        <p:spPr/>
+      </p:sp>
+      <p:sp>
+        <p:nvSpPr>
+          <p:cNvPr id="3" name="Notizenplatzhalter 2"/>
+          <p:cNvSpPr>
+            <a:spLocks noGrp="1"/>
+          </p:cNvSpPr>
+          <p:nvPr>
+            <p:ph type="body" idx="1"/>
+          </p:nvPr>
+        </p:nvSpPr>
+        <p:spPr/>
+        <p:txBody>
+          <a:bodyPr/>
+          <a:lstStyle/>
+          <a:p>
+            <a:endParaRPr lang="de-DE" dirty="0"/>
+          </a:p>
+        </p:txBody>
+      </p:sp>
+    </p:spTree>
+    <p:extLst>
+      <p:ext uri="{BB962C8B-B14F-4D97-AF65-F5344CB8AC3E}">
+        <p14:creationId xmlns:p14="http://schemas.microsoft.com/office/powerpoint/2010/main" val="1696546615"/>
       </p:ext>
     </p:extLst>
   </p:cSld>
@@ -7981,12 +8291,7 @@
             <p:ph sz="quarter" idx="12"/>
           </p:nvPr>
         </p:nvSpPr>
-        <p:spPr>
-          <a:xfrm>
-            <a:off x="903291" y="1357313"/>
-            <a:ext cx="8099823" cy="4320000"/>
-          </a:xfrm>
-        </p:spPr>
+        <p:spPr/>
         <p:txBody>
           <a:bodyPr/>
           <a:lstStyle/>
@@ -7995,9 +8300,97 @@
               <a:buFont typeface="Arial" panose="020B0604020202020204" pitchFamily="34" charset="0"/>
               <a:buChar char="•"/>
             </a:pPr>
-            <a:endParaRPr lang="de-DE" dirty="0">
-              <a:latin typeface="Corbel" panose="020B0503020204020204" pitchFamily="34" charset="0"/>
-            </a:endParaRPr>
+            <a:r>
+              <a:rPr lang="de-DE" dirty="0">
+                <a:latin typeface="Corbel" panose="020B0503020204020204" pitchFamily="34" charset="0"/>
+              </a:rPr>
+              <a:t>POC 3</a:t>
+            </a:r>
+          </a:p>
+          <a:p>
+            <a:pPr lvl="3" indent="-342900">
+              <a:buFont typeface="Arial" panose="020B0604020202020204" pitchFamily="34" charset="0"/>
+              <a:buChar char="•"/>
+            </a:pPr>
+            <a:r>
+              <a:rPr lang="de-DE" dirty="0">
+                <a:latin typeface="Corbel" panose="020B0503020204020204" pitchFamily="34" charset="0"/>
+              </a:rPr>
+              <a:t>Iterationsidee</a:t>
+            </a:r>
+          </a:p>
+          <a:p>
+            <a:pPr lvl="3" indent="-342900">
+              <a:buFont typeface="Arial" panose="020B0604020202020204" pitchFamily="34" charset="0"/>
+              <a:buChar char="•"/>
+            </a:pPr>
+            <a:r>
+              <a:rPr lang="de-DE" dirty="0">
+                <a:latin typeface="Corbel" panose="020B0503020204020204" pitchFamily="34" charset="0"/>
+              </a:rPr>
+              <a:t>Vertikaler Rapid Prototyp</a:t>
+            </a:r>
+          </a:p>
+          <a:p>
+            <a:pPr lvl="4" indent="-342900">
+              <a:buFont typeface="Arial" panose="020B0604020202020204" pitchFamily="34" charset="0"/>
+              <a:buChar char="•"/>
+            </a:pPr>
+            <a:r>
+              <a:rPr lang="de-DE" dirty="0">
+                <a:latin typeface="Corbel" panose="020B0503020204020204" pitchFamily="34" charset="0"/>
+              </a:rPr>
+              <a:t>UML-Diagramm</a:t>
+            </a:r>
+          </a:p>
+          <a:p>
+            <a:pPr lvl="4" indent="-342900">
+              <a:buFont typeface="Arial" panose="020B0604020202020204" pitchFamily="34" charset="0"/>
+              <a:buChar char="•"/>
+            </a:pPr>
+            <a:r>
+              <a:rPr lang="de-DE" dirty="0">
+                <a:latin typeface="Corbel" panose="020B0503020204020204" pitchFamily="34" charset="0"/>
+              </a:rPr>
+              <a:t>Codeausschnitt</a:t>
+            </a:r>
+          </a:p>
+          <a:p>
+            <a:pPr lvl="3" indent="-342900">
+              <a:buFont typeface="Arial" panose="020B0604020202020204" pitchFamily="34" charset="0"/>
+              <a:buChar char="•"/>
+            </a:pPr>
+            <a:r>
+              <a:rPr lang="de-DE" dirty="0">
+                <a:latin typeface="Corbel" panose="020B0503020204020204" pitchFamily="34" charset="0"/>
+              </a:rPr>
+              <a:t>Zukünftige Schritte</a:t>
+            </a:r>
+          </a:p>
+        </p:txBody>
+      </p:sp>
+      <p:sp>
+        <p:nvSpPr>
+          <p:cNvPr id="2" name="Textplatzhalter 1">
+            <a:extLst>
+              <a:ext uri="{FF2B5EF4-FFF2-40B4-BE49-F238E27FC236}">
+                <a16:creationId xmlns:a16="http://schemas.microsoft.com/office/drawing/2014/main" id="{D92D76A2-9CAD-4D64-9A5F-4F011AEE8144}"/>
+              </a:ext>
+            </a:extLst>
+          </p:cNvPr>
+          <p:cNvSpPr>
+            <a:spLocks noGrp="1"/>
+          </p:cNvSpPr>
+          <p:nvPr>
+            <p:ph type="body" idx="13"/>
+          </p:nvPr>
+        </p:nvSpPr>
+        <p:spPr/>
+        <p:txBody>
+          <a:bodyPr/>
+          <a:lstStyle/>
+          <a:p>
+            <a:endParaRPr lang="de-DE"/>
           </a:p>
         </p:txBody>
       </p:sp>
@@ -8074,6 +8467,1432 @@
     <p:extLst>
       <p:ext uri="{BB962C8B-B14F-4D97-AF65-F5344CB8AC3E}">
         <p14:creationId xmlns:p14="http://schemas.microsoft.com/office/powerpoint/2010/main" val="2292648183"/>
+      </p:ext>
+    </p:extLst>
+  </p:cSld>
+  <p:clrMapOvr>
+    <a:masterClrMapping/>
+  </p:clrMapOvr>
+</p:sld>
+</file>
+
+<file path=ppt/slides/slide2.xml><?xml version="1.0" encoding="utf-8"?>
+<p:sld xmlns:a="http://schemas.openxmlformats.org/drawingml/2006/main" xmlns:r="http://schemas.openxmlformats.org/officeDocument/2006/relationships" xmlns:p="http://schemas.openxmlformats.org/presentationml/2006/main">
+  <p:cSld>
+    <p:spTree>
+      <p:nvGrpSpPr>
+        <p:cNvPr id="1" name=""/>
+        <p:cNvGrpSpPr/>
+        <p:nvPr/>
+      </p:nvGrpSpPr>
+      <p:grpSpPr>
+        <a:xfrm>
+          <a:off x="0" y="0"/>
+          <a:ext cx="0" cy="0"/>
+          <a:chOff x="0" y="0"/>
+          <a:chExt cx="0" cy="0"/>
+        </a:xfrm>
+      </p:grpSpPr>
+      <p:sp>
+        <p:nvSpPr>
+          <p:cNvPr id="17" name="Titel 16">
+            <a:extLst>
+              <a:ext uri="{FF2B5EF4-FFF2-40B4-BE49-F238E27FC236}">
+                <a16:creationId xmlns:a16="http://schemas.microsoft.com/office/drawing/2014/main" id="{5310A8A3-5C3B-427A-83BE-2B45CDCBD872}"/>
+              </a:ext>
+            </a:extLst>
+          </p:cNvPr>
+          <p:cNvSpPr>
+            <a:spLocks noGrp="1"/>
+          </p:cNvSpPr>
+          <p:nvPr>
+            <p:ph type="title"/>
+          </p:nvPr>
+        </p:nvSpPr>
+        <p:spPr/>
+        <p:txBody>
+          <a:bodyPr/>
+          <a:lstStyle/>
+          <a:p>
+            <a:r>
+              <a:rPr lang="de-DE" sz="2400" dirty="0">
+                <a:latin typeface="Corbel" panose="020B0503020204020204" pitchFamily="34" charset="0"/>
+              </a:rPr>
+              <a:t>POC 3</a:t>
+            </a:r>
+            <a:r>
+              <a:rPr lang="de-DE" sz="2400" b="1" i="0" dirty="0">
+                <a:effectLst/>
+                <a:latin typeface="Corbel" panose="020B0503020204020204" pitchFamily="34" charset="0"/>
+              </a:rPr>
+              <a:t>Von einem </a:t>
+            </a:r>
+            <a:r>
+              <a:rPr lang="de-DE" sz="2400" b="1" i="0" dirty="0" err="1">
+                <a:effectLst/>
+                <a:latin typeface="Corbel" panose="020B0503020204020204" pitchFamily="34" charset="0"/>
+              </a:rPr>
+              <a:t>ImageButton</a:t>
+            </a:r>
+            <a:r>
+              <a:rPr lang="de-DE" sz="2400" b="1" i="0" dirty="0">
+                <a:effectLst/>
+                <a:latin typeface="Corbel" panose="020B0503020204020204" pitchFamily="34" charset="0"/>
+              </a:rPr>
+              <a:t> das Image separieren und mit diesem Image eine neue View laden.</a:t>
+            </a:r>
+            <a:br>
+              <a:rPr lang="de-DE" sz="2400" b="1" i="0" dirty="0">
+                <a:effectLst/>
+                <a:latin typeface="Corbel" panose="020B0503020204020204" pitchFamily="34" charset="0"/>
+              </a:rPr>
+            </a:br>
+            <a:endParaRPr lang="de-DE" sz="2400" dirty="0">
+              <a:latin typeface="Corbel" panose="020B0503020204020204" pitchFamily="34" charset="0"/>
+            </a:endParaRPr>
+          </a:p>
+        </p:txBody>
+      </p:sp>
+      <p:sp>
+        <p:nvSpPr>
+          <p:cNvPr id="18" name="Inhaltsplatzhalter 17">
+            <a:extLst>
+              <a:ext uri="{FF2B5EF4-FFF2-40B4-BE49-F238E27FC236}">
+                <a16:creationId xmlns:a16="http://schemas.microsoft.com/office/drawing/2014/main" id="{29C102FF-5B5C-4AE3-A34C-6C250D62A372}"/>
+              </a:ext>
+            </a:extLst>
+          </p:cNvPr>
+          <p:cNvSpPr>
+            <a:spLocks noGrp="1"/>
+          </p:cNvSpPr>
+          <p:nvPr>
+            <p:ph sz="quarter" idx="12"/>
+          </p:nvPr>
+        </p:nvSpPr>
+        <p:spPr/>
+        <p:txBody>
+          <a:bodyPr/>
+          <a:lstStyle/>
+          <a:p>
+            <a:pPr algn="l"/>
+            <a:r>
+              <a:rPr lang="de-DE" sz="1600" b="1" i="0" dirty="0">
+                <a:effectLst/>
+                <a:latin typeface="Corbel" panose="020B0503020204020204" pitchFamily="34" charset="0"/>
+              </a:rPr>
+              <a:t>Ausgangspunkt: Die Möglichkeit bieten eine Einkaufsliste zu erstellen, ohne Kulturtechniken anwenden zu müssen.</a:t>
+            </a:r>
+          </a:p>
+          <a:p>
+            <a:pPr algn="l"/>
+            <a:r>
+              <a:rPr lang="de-DE" sz="1600" b="1" i="0" dirty="0">
+                <a:effectLst/>
+                <a:latin typeface="Corbel" panose="020B0503020204020204" pitchFamily="34" charset="0"/>
+              </a:rPr>
+              <a:t>Ablaufbeschreibung:</a:t>
+            </a:r>
+          </a:p>
+          <a:p>
+            <a:pPr algn="l">
+              <a:buFont typeface="Arial" panose="020B0604020202020204" pitchFamily="34" charset="0"/>
+              <a:buChar char="•"/>
+            </a:pPr>
+            <a:r>
+              <a:rPr lang="de-DE" sz="1600" b="0" i="0" dirty="0">
+                <a:effectLst/>
+                <a:latin typeface="Corbel" panose="020B0503020204020204" pitchFamily="34" charset="0"/>
+              </a:rPr>
+              <a:t>Beim Klicken auf einen Imagebutton wird die </a:t>
+            </a:r>
+            <a:r>
+              <a:rPr lang="de-DE" sz="1600" b="0" i="0" dirty="0" err="1">
+                <a:effectLst/>
+                <a:latin typeface="Corbel" panose="020B0503020204020204" pitchFamily="34" charset="0"/>
+              </a:rPr>
+              <a:t>Imagedata</a:t>
+            </a:r>
+            <a:r>
+              <a:rPr lang="de-DE" sz="1600" b="0" i="0" dirty="0">
+                <a:effectLst/>
+                <a:latin typeface="Corbel" panose="020B0503020204020204" pitchFamily="34" charset="0"/>
+              </a:rPr>
+              <a:t> und die </a:t>
+            </a:r>
+            <a:r>
+              <a:rPr lang="de-DE" sz="1600" b="0" i="0" dirty="0" err="1">
+                <a:effectLst/>
+                <a:latin typeface="Corbel" panose="020B0503020204020204" pitchFamily="34" charset="0"/>
+              </a:rPr>
+              <a:t>Buttondata</a:t>
+            </a:r>
+            <a:r>
+              <a:rPr lang="de-DE" sz="1600" b="0" i="0" dirty="0">
+                <a:effectLst/>
+                <a:latin typeface="Corbel" panose="020B0503020204020204" pitchFamily="34" charset="0"/>
+              </a:rPr>
+              <a:t> in einer Datenbank gespeichert.</a:t>
+            </a:r>
+          </a:p>
+          <a:p>
+            <a:pPr algn="l">
+              <a:buFont typeface="Arial" panose="020B0604020202020204" pitchFamily="34" charset="0"/>
+              <a:buChar char="•"/>
+            </a:pPr>
+            <a:r>
+              <a:rPr lang="de-DE" sz="1600" b="0" i="0" dirty="0">
+                <a:effectLst/>
+                <a:latin typeface="Corbel" panose="020B0503020204020204" pitchFamily="34" charset="0"/>
+              </a:rPr>
+              <a:t>Beim Klicken auf den Einkaufsliste-</a:t>
+            </a:r>
+            <a:r>
+              <a:rPr lang="de-DE" sz="1600" b="0" i="0" dirty="0" err="1">
+                <a:effectLst/>
+                <a:latin typeface="Corbel" panose="020B0503020204020204" pitchFamily="34" charset="0"/>
+              </a:rPr>
+              <a:t>ImageButton</a:t>
+            </a:r>
+            <a:r>
+              <a:rPr lang="de-DE" sz="1600" b="0" i="0" dirty="0">
+                <a:effectLst/>
+                <a:latin typeface="Corbel" panose="020B0503020204020204" pitchFamily="34" charset="0"/>
+              </a:rPr>
+              <a:t> werden die Daten aus der Datenbank in neue </a:t>
+            </a:r>
+            <a:r>
+              <a:rPr lang="de-DE" sz="1600" b="0" i="0" dirty="0" err="1">
+                <a:effectLst/>
+                <a:latin typeface="Corbel" panose="020B0503020204020204" pitchFamily="34" charset="0"/>
+              </a:rPr>
+              <a:t>Imageviews</a:t>
+            </a:r>
+            <a:r>
+              <a:rPr lang="de-DE" sz="1600" b="0" i="0" dirty="0">
+                <a:effectLst/>
+                <a:latin typeface="Corbel" panose="020B0503020204020204" pitchFamily="34" charset="0"/>
+              </a:rPr>
+              <a:t> umgewandelt.</a:t>
+            </a:r>
+          </a:p>
+          <a:p>
+            <a:pPr algn="l">
+              <a:buFont typeface="Arial" panose="020B0604020202020204" pitchFamily="34" charset="0"/>
+              <a:buChar char="•"/>
+            </a:pPr>
+            <a:r>
+              <a:rPr lang="de-DE" sz="1600" b="0" i="0" dirty="0">
+                <a:effectLst/>
+                <a:latin typeface="Corbel" panose="020B0503020204020204" pitchFamily="34" charset="0"/>
+              </a:rPr>
+              <a:t>Ergebnis: Einkaufsliste bestehend aus der Anzahl der geklickten Bildern der </a:t>
+            </a:r>
+            <a:r>
+              <a:rPr lang="de-DE" sz="1600" b="0" i="0" dirty="0" err="1">
+                <a:effectLst/>
+                <a:latin typeface="Corbel" panose="020B0503020204020204" pitchFamily="34" charset="0"/>
+              </a:rPr>
+              <a:t>ImageButtons</a:t>
+            </a:r>
+            <a:r>
+              <a:rPr lang="de-DE" sz="1600" b="0" i="0" dirty="0">
+                <a:effectLst/>
+                <a:latin typeface="Corbel" panose="020B0503020204020204" pitchFamily="34" charset="0"/>
+              </a:rPr>
+              <a:t>.</a:t>
+            </a:r>
+          </a:p>
+          <a:p>
+            <a:pPr algn="l"/>
+            <a:r>
+              <a:rPr lang="de-DE" sz="1600" b="1" i="0" dirty="0">
+                <a:effectLst/>
+                <a:latin typeface="Corbel" panose="020B0503020204020204" pitchFamily="34" charset="0"/>
+              </a:rPr>
+              <a:t>Fail:</a:t>
+            </a:r>
+          </a:p>
+          <a:p>
+            <a:pPr algn="l">
+              <a:buFont typeface="Arial" panose="020B0604020202020204" pitchFamily="34" charset="0"/>
+              <a:buChar char="•"/>
+            </a:pPr>
+            <a:r>
+              <a:rPr lang="de-DE" sz="1600" b="0" i="0" dirty="0" err="1">
+                <a:effectLst/>
+                <a:latin typeface="Corbel" panose="020B0503020204020204" pitchFamily="34" charset="0"/>
+              </a:rPr>
+              <a:t>ImageButton</a:t>
+            </a:r>
+            <a:r>
+              <a:rPr lang="de-DE" sz="1600" b="0" i="0" dirty="0">
+                <a:effectLst/>
+                <a:latin typeface="Corbel" panose="020B0503020204020204" pitchFamily="34" charset="0"/>
+              </a:rPr>
+              <a:t> und dessen Imageinformationen sind nicht auslesbar zur Laufzeit</a:t>
+            </a:r>
+          </a:p>
+          <a:p>
+            <a:pPr algn="l"/>
+            <a:r>
+              <a:rPr lang="de-DE" sz="1600" b="1" i="0" dirty="0" err="1">
+                <a:effectLst/>
+                <a:latin typeface="Corbel" panose="020B0503020204020204" pitchFamily="34" charset="0"/>
+              </a:rPr>
+              <a:t>Fallback</a:t>
+            </a:r>
+            <a:r>
+              <a:rPr lang="de-DE" sz="1600" b="1" i="0" dirty="0">
+                <a:effectLst/>
+                <a:latin typeface="Corbel" panose="020B0503020204020204" pitchFamily="34" charset="0"/>
+              </a:rPr>
+              <a:t>:</a:t>
+            </a:r>
+          </a:p>
+          <a:p>
+            <a:pPr algn="l">
+              <a:buFont typeface="Arial" panose="020B0604020202020204" pitchFamily="34" charset="0"/>
+              <a:buChar char="•"/>
+            </a:pPr>
+            <a:r>
+              <a:rPr lang="de-DE" sz="1600" b="0" i="0" dirty="0">
+                <a:effectLst/>
+                <a:latin typeface="Corbel" panose="020B0503020204020204" pitchFamily="34" charset="0"/>
+              </a:rPr>
+              <a:t>Datenbank mit allen Bildern kreieren und jedem Butten einen Datenbanksatz zuordnen.</a:t>
+            </a:r>
+          </a:p>
+          <a:p>
+            <a:pPr algn="l"/>
+            <a:r>
+              <a:rPr lang="de-DE" sz="1600" b="1" i="0" dirty="0">
+                <a:effectLst/>
+                <a:latin typeface="Corbel" panose="020B0503020204020204" pitchFamily="34" charset="0"/>
+              </a:rPr>
+              <a:t>Exit:</a:t>
+            </a:r>
+          </a:p>
+          <a:p>
+            <a:pPr algn="l">
+              <a:buFont typeface="Arial" panose="020B0604020202020204" pitchFamily="34" charset="0"/>
+              <a:buChar char="•"/>
+            </a:pPr>
+            <a:r>
+              <a:rPr lang="de-DE" sz="1600" b="0" i="0" dirty="0">
+                <a:effectLst/>
+                <a:latin typeface="Corbel" panose="020B0503020204020204" pitchFamily="34" charset="0"/>
+              </a:rPr>
+              <a:t>Einkaufswagenview zeigt alle entsprechenden Bilder der geklickten Buttons. (entsprechend wie oft der Button geklickt wurde)</a:t>
+            </a:r>
+          </a:p>
+        </p:txBody>
+      </p:sp>
+      <p:sp>
+        <p:nvSpPr>
+          <p:cNvPr id="2" name="Textplatzhalter 1">
+            <a:extLst>
+              <a:ext uri="{FF2B5EF4-FFF2-40B4-BE49-F238E27FC236}">
+                <a16:creationId xmlns:a16="http://schemas.microsoft.com/office/drawing/2014/main" id="{D92D76A2-9CAD-4D64-9A5F-4F011AEE8144}"/>
+              </a:ext>
+            </a:extLst>
+          </p:cNvPr>
+          <p:cNvSpPr>
+            <a:spLocks noGrp="1"/>
+          </p:cNvSpPr>
+          <p:nvPr>
+            <p:ph type="body" idx="13"/>
+          </p:nvPr>
+        </p:nvSpPr>
+        <p:spPr/>
+        <p:txBody>
+          <a:bodyPr/>
+          <a:lstStyle/>
+          <a:p>
+            <a:endParaRPr lang="de-DE"/>
+          </a:p>
+        </p:txBody>
+      </p:sp>
+      <p:sp>
+        <p:nvSpPr>
+          <p:cNvPr id="5" name="Datumsplatzhalter 4">
+            <a:extLst>
+              <a:ext uri="{FF2B5EF4-FFF2-40B4-BE49-F238E27FC236}">
+                <a16:creationId xmlns:a16="http://schemas.microsoft.com/office/drawing/2014/main" id="{C319720F-1CD0-4FF4-9890-2105ED7BAD7B}"/>
+              </a:ext>
+            </a:extLst>
+          </p:cNvPr>
+          <p:cNvSpPr>
+            <a:spLocks noGrp="1"/>
+          </p:cNvSpPr>
+          <p:nvPr>
+            <p:ph type="dt" sz="half" idx="14"/>
+          </p:nvPr>
+        </p:nvSpPr>
+        <p:spPr/>
+        <p:txBody>
+          <a:bodyPr/>
+          <a:lstStyle/>
+          <a:p>
+            <a:pPr>
+              <a:defRPr/>
+            </a:pPr>
+            <a:fld id="{90503C0D-0707-4A07-942E-3F0C914DAF04}" type="datetime1">
+              <a:rPr lang="de-DE" smtClean="0"/>
+              <a:pPr>
+                <a:defRPr/>
+              </a:pPr>
+              <a:t>18.12.2021</a:t>
+            </a:fld>
+            <a:endParaRPr lang="de-DE" dirty="0"/>
+          </a:p>
+        </p:txBody>
+      </p:sp>
+      <p:sp>
+        <p:nvSpPr>
+          <p:cNvPr id="6" name="Foliennummernplatzhalter 5">
+            <a:extLst>
+              <a:ext uri="{FF2B5EF4-FFF2-40B4-BE49-F238E27FC236}">
+                <a16:creationId xmlns:a16="http://schemas.microsoft.com/office/drawing/2014/main" id="{6A0B34F3-0515-4B69-BAFC-42E1429BE82A}"/>
+              </a:ext>
+            </a:extLst>
+          </p:cNvPr>
+          <p:cNvSpPr>
+            <a:spLocks noGrp="1"/>
+          </p:cNvSpPr>
+          <p:nvPr>
+            <p:ph type="sldNum" sz="quarter" idx="15"/>
+          </p:nvPr>
+        </p:nvSpPr>
+        <p:spPr/>
+        <p:txBody>
+          <a:bodyPr/>
+          <a:lstStyle/>
+          <a:p>
+            <a:r>
+              <a:rPr lang="de-DE"/>
+              <a:t>Seite </a:t>
+            </a:r>
+            <a:fld id="{35334651-DA3B-4EB7-B98A-13466C4842BA}" type="slidenum">
+              <a:rPr lang="de-DE" smtClean="0"/>
+              <a:pPr/>
+              <a:t>2</a:t>
+            </a:fld>
+            <a:endParaRPr lang="de-DE"/>
+          </a:p>
+        </p:txBody>
+      </p:sp>
+    </p:spTree>
+    <p:extLst>
+      <p:ext uri="{BB962C8B-B14F-4D97-AF65-F5344CB8AC3E}">
+        <p14:creationId xmlns:p14="http://schemas.microsoft.com/office/powerpoint/2010/main" val="4192520784"/>
+      </p:ext>
+    </p:extLst>
+  </p:cSld>
+  <p:clrMapOvr>
+    <a:masterClrMapping/>
+  </p:clrMapOvr>
+</p:sld>
+</file>
+
+<file path=ppt/slides/slide3.xml><?xml version="1.0" encoding="utf-8"?>
+<p:sld xmlns:a="http://schemas.openxmlformats.org/drawingml/2006/main" xmlns:r="http://schemas.openxmlformats.org/officeDocument/2006/relationships" xmlns:p="http://schemas.openxmlformats.org/presentationml/2006/main">
+  <p:cSld>
+    <p:spTree>
+      <p:nvGrpSpPr>
+        <p:cNvPr id="1" name=""/>
+        <p:cNvGrpSpPr/>
+        <p:nvPr/>
+      </p:nvGrpSpPr>
+      <p:grpSpPr>
+        <a:xfrm>
+          <a:off x="0" y="0"/>
+          <a:ext cx="0" cy="0"/>
+          <a:chOff x="0" y="0"/>
+          <a:chExt cx="0" cy="0"/>
+        </a:xfrm>
+      </p:grpSpPr>
+      <p:sp>
+        <p:nvSpPr>
+          <p:cNvPr id="17" name="Titel 16">
+            <a:extLst>
+              <a:ext uri="{FF2B5EF4-FFF2-40B4-BE49-F238E27FC236}">
+                <a16:creationId xmlns:a16="http://schemas.microsoft.com/office/drawing/2014/main" id="{5310A8A3-5C3B-427A-83BE-2B45CDCBD872}"/>
+              </a:ext>
+            </a:extLst>
+          </p:cNvPr>
+          <p:cNvSpPr>
+            <a:spLocks noGrp="1"/>
+          </p:cNvSpPr>
+          <p:nvPr>
+            <p:ph type="title"/>
+          </p:nvPr>
+        </p:nvSpPr>
+        <p:spPr/>
+        <p:txBody>
+          <a:bodyPr/>
+          <a:lstStyle/>
+          <a:p>
+            <a:r>
+              <a:rPr lang="de-DE" dirty="0">
+                <a:latin typeface="Corbel" panose="020B0503020204020204" pitchFamily="34" charset="0"/>
+              </a:rPr>
+              <a:t>Iterationsidee</a:t>
+            </a:r>
+          </a:p>
+        </p:txBody>
+      </p:sp>
+      <p:sp>
+        <p:nvSpPr>
+          <p:cNvPr id="18" name="Inhaltsplatzhalter 17">
+            <a:extLst>
+              <a:ext uri="{FF2B5EF4-FFF2-40B4-BE49-F238E27FC236}">
+                <a16:creationId xmlns:a16="http://schemas.microsoft.com/office/drawing/2014/main" id="{29C102FF-5B5C-4AE3-A34C-6C250D62A372}"/>
+              </a:ext>
+            </a:extLst>
+          </p:cNvPr>
+          <p:cNvSpPr>
+            <a:spLocks noGrp="1"/>
+          </p:cNvSpPr>
+          <p:nvPr>
+            <p:ph sz="quarter" idx="12"/>
+          </p:nvPr>
+        </p:nvSpPr>
+        <p:spPr/>
+        <p:txBody>
+          <a:bodyPr/>
+          <a:lstStyle/>
+          <a:p>
+            <a:pPr lvl="4" indent="-342900">
+              <a:buFont typeface="Arial" panose="020B0604020202020204" pitchFamily="34" charset="0"/>
+              <a:buChar char="•"/>
+            </a:pPr>
+            <a:endParaRPr lang="de-DE" dirty="0">
+              <a:latin typeface="Corbel" panose="020B0503020204020204" pitchFamily="34" charset="0"/>
+            </a:endParaRPr>
+          </a:p>
+          <a:p>
+            <a:pPr lvl="3" indent="-342900">
+              <a:buFont typeface="Arial" panose="020B0604020202020204" pitchFamily="34" charset="0"/>
+              <a:buChar char="•"/>
+            </a:pPr>
+            <a:r>
+              <a:rPr lang="de-DE" dirty="0">
+                <a:latin typeface="Corbel" panose="020B0503020204020204" pitchFamily="34" charset="0"/>
+              </a:rPr>
+              <a:t>Keine Verwendung einer Supermarkt-API</a:t>
+            </a:r>
+          </a:p>
+          <a:p>
+            <a:pPr lvl="4" indent="-342900">
+              <a:buFont typeface="Arial" panose="020B0604020202020204" pitchFamily="34" charset="0"/>
+              <a:buChar char="•"/>
+            </a:pPr>
+            <a:r>
+              <a:rPr lang="de-DE" dirty="0">
+                <a:latin typeface="Corbel" panose="020B0503020204020204" pitchFamily="34" charset="0"/>
+              </a:rPr>
+              <a:t>Kosten</a:t>
+            </a:r>
+          </a:p>
+          <a:p>
+            <a:pPr lvl="4" indent="-342900">
+              <a:buFont typeface="Arial" panose="020B0604020202020204" pitchFamily="34" charset="0"/>
+              <a:buChar char="•"/>
+            </a:pPr>
+            <a:r>
+              <a:rPr lang="de-DE" dirty="0">
+                <a:latin typeface="Corbel" panose="020B0503020204020204" pitchFamily="34" charset="0"/>
+              </a:rPr>
+              <a:t>Zu große Auswahl </a:t>
+            </a:r>
+            <a:r>
+              <a:rPr lang="de-DE" dirty="0">
+                <a:latin typeface="Corbel" panose="020B0503020204020204" pitchFamily="34" charset="0"/>
+                <a:sym typeface="Wingdings" panose="05000000000000000000" pitchFamily="2" charset="2"/>
+              </a:rPr>
+              <a:t>  Vorauswahl durch Betreuer  einschränken der Autonomie</a:t>
+            </a:r>
+          </a:p>
+          <a:p>
+            <a:pPr lvl="4" indent="-342900">
+              <a:buFont typeface="Arial" panose="020B0604020202020204" pitchFamily="34" charset="0"/>
+              <a:buChar char="•"/>
+            </a:pPr>
+            <a:r>
+              <a:rPr lang="de-DE" dirty="0">
+                <a:latin typeface="Corbel" panose="020B0503020204020204" pitchFamily="34" charset="0"/>
+                <a:sym typeface="Wingdings" panose="05000000000000000000" pitchFamily="2" charset="2"/>
+              </a:rPr>
+              <a:t>Spontanität</a:t>
+            </a:r>
+            <a:endParaRPr lang="de-DE" dirty="0">
+              <a:latin typeface="Corbel" panose="020B0503020204020204" pitchFamily="34" charset="0"/>
+            </a:endParaRPr>
+          </a:p>
+          <a:p>
+            <a:pPr lvl="3" indent="-342900">
+              <a:buFont typeface="Arial" panose="020B0604020202020204" pitchFamily="34" charset="0"/>
+              <a:buChar char="•"/>
+            </a:pPr>
+            <a:r>
+              <a:rPr lang="de-DE" dirty="0">
+                <a:latin typeface="Corbel" panose="020B0503020204020204" pitchFamily="34" charset="0"/>
+              </a:rPr>
+              <a:t>Keine Preisberechnung</a:t>
+            </a:r>
+          </a:p>
+          <a:p>
+            <a:pPr lvl="4" indent="-342900">
+              <a:buFont typeface="Arial" panose="020B0604020202020204" pitchFamily="34" charset="0"/>
+              <a:buChar char="•"/>
+            </a:pPr>
+            <a:r>
+              <a:rPr lang="de-DE" dirty="0">
+                <a:latin typeface="Corbel" panose="020B0503020204020204" pitchFamily="34" charset="0"/>
+              </a:rPr>
+              <a:t>Da Produkte nicht detailliert ausgewählt werden</a:t>
+            </a:r>
+          </a:p>
+          <a:p>
+            <a:pPr lvl="3" indent="-342900">
+              <a:buFont typeface="Arial" panose="020B0604020202020204" pitchFamily="34" charset="0"/>
+              <a:buChar char="•"/>
+            </a:pPr>
+            <a:r>
+              <a:rPr lang="de-DE" dirty="0">
+                <a:latin typeface="Corbel" panose="020B0503020204020204" pitchFamily="34" charset="0"/>
+              </a:rPr>
+              <a:t>Hinzufügen von </a:t>
+            </a:r>
+            <a:r>
+              <a:rPr lang="de-DE" dirty="0" err="1">
+                <a:latin typeface="Corbel" panose="020B0503020204020204" pitchFamily="34" charset="0"/>
+              </a:rPr>
+              <a:t>Flagsystem</a:t>
+            </a:r>
+            <a:endParaRPr lang="de-DE" dirty="0">
+              <a:latin typeface="Corbel" panose="020B0503020204020204" pitchFamily="34" charset="0"/>
+            </a:endParaRPr>
+          </a:p>
+          <a:p>
+            <a:pPr lvl="4" indent="-342900">
+              <a:buFont typeface="Arial" panose="020B0604020202020204" pitchFamily="34" charset="0"/>
+              <a:buChar char="•"/>
+            </a:pPr>
+            <a:r>
+              <a:rPr lang="de-DE" dirty="0">
+                <a:latin typeface="Corbel" panose="020B0503020204020204" pitchFamily="34" charset="0"/>
+              </a:rPr>
+              <a:t>Lebensmittel mit </a:t>
+            </a:r>
+            <a:r>
+              <a:rPr lang="de-DE" dirty="0" err="1">
+                <a:latin typeface="Corbel" panose="020B0503020204020204" pitchFamily="34" charset="0"/>
+              </a:rPr>
+              <a:t>Nährstoffflags</a:t>
+            </a:r>
+            <a:r>
+              <a:rPr lang="de-DE" dirty="0">
+                <a:latin typeface="Corbel" panose="020B0503020204020204" pitchFamily="34" charset="0"/>
+              </a:rPr>
+              <a:t> versehen</a:t>
+            </a:r>
+          </a:p>
+          <a:p>
+            <a:pPr lvl="4" indent="-342900">
+              <a:buFont typeface="Arial" panose="020B0604020202020204" pitchFamily="34" charset="0"/>
+              <a:buChar char="•"/>
+            </a:pPr>
+            <a:endParaRPr lang="de-DE" dirty="0">
+              <a:latin typeface="Corbel" panose="020B0503020204020204" pitchFamily="34" charset="0"/>
+            </a:endParaRPr>
+          </a:p>
+          <a:p>
+            <a:pPr lvl="4" indent="-342900">
+              <a:buFont typeface="Arial" panose="020B0604020202020204" pitchFamily="34" charset="0"/>
+              <a:buChar char="•"/>
+            </a:pPr>
+            <a:endParaRPr lang="de-DE" dirty="0">
+              <a:latin typeface="Corbel" panose="020B0503020204020204" pitchFamily="34" charset="0"/>
+            </a:endParaRPr>
+          </a:p>
+          <a:p>
+            <a:pPr marL="730250" lvl="4" indent="0">
+              <a:buNone/>
+            </a:pPr>
+            <a:endParaRPr lang="de-DE" dirty="0">
+              <a:latin typeface="Corbel" panose="020B0503020204020204" pitchFamily="34" charset="0"/>
+              <a:sym typeface="Wingdings" panose="05000000000000000000" pitchFamily="2" charset="2"/>
+            </a:endParaRPr>
+          </a:p>
+          <a:p>
+            <a:pPr lvl="4" indent="-342900">
+              <a:buFont typeface="Arial" panose="020B0604020202020204" pitchFamily="34" charset="0"/>
+              <a:buChar char="•"/>
+            </a:pPr>
+            <a:endParaRPr lang="de-DE" dirty="0">
+              <a:latin typeface="Corbel" panose="020B0503020204020204" pitchFamily="34" charset="0"/>
+              <a:sym typeface="Wingdings" panose="05000000000000000000" pitchFamily="2" charset="2"/>
+            </a:endParaRPr>
+          </a:p>
+          <a:p>
+            <a:pPr lvl="4" indent="-342900">
+              <a:buFont typeface="Arial" panose="020B0604020202020204" pitchFamily="34" charset="0"/>
+              <a:buChar char="•"/>
+            </a:pPr>
+            <a:endParaRPr lang="de-DE" dirty="0">
+              <a:latin typeface="Corbel" panose="020B0503020204020204" pitchFamily="34" charset="0"/>
+            </a:endParaRPr>
+          </a:p>
+        </p:txBody>
+      </p:sp>
+      <p:sp>
+        <p:nvSpPr>
+          <p:cNvPr id="2" name="Textplatzhalter 1">
+            <a:extLst>
+              <a:ext uri="{FF2B5EF4-FFF2-40B4-BE49-F238E27FC236}">
+                <a16:creationId xmlns:a16="http://schemas.microsoft.com/office/drawing/2014/main" id="{D92D76A2-9CAD-4D64-9A5F-4F011AEE8144}"/>
+              </a:ext>
+            </a:extLst>
+          </p:cNvPr>
+          <p:cNvSpPr>
+            <a:spLocks noGrp="1"/>
+          </p:cNvSpPr>
+          <p:nvPr>
+            <p:ph type="body" idx="13"/>
+          </p:nvPr>
+        </p:nvSpPr>
+        <p:spPr/>
+        <p:txBody>
+          <a:bodyPr/>
+          <a:lstStyle/>
+          <a:p>
+            <a:endParaRPr lang="de-DE"/>
+          </a:p>
+        </p:txBody>
+      </p:sp>
+      <p:sp>
+        <p:nvSpPr>
+          <p:cNvPr id="5" name="Datumsplatzhalter 4">
+            <a:extLst>
+              <a:ext uri="{FF2B5EF4-FFF2-40B4-BE49-F238E27FC236}">
+                <a16:creationId xmlns:a16="http://schemas.microsoft.com/office/drawing/2014/main" id="{C319720F-1CD0-4FF4-9890-2105ED7BAD7B}"/>
+              </a:ext>
+            </a:extLst>
+          </p:cNvPr>
+          <p:cNvSpPr>
+            <a:spLocks noGrp="1"/>
+          </p:cNvSpPr>
+          <p:nvPr>
+            <p:ph type="dt" sz="half" idx="14"/>
+          </p:nvPr>
+        </p:nvSpPr>
+        <p:spPr/>
+        <p:txBody>
+          <a:bodyPr/>
+          <a:lstStyle/>
+          <a:p>
+            <a:pPr>
+              <a:defRPr/>
+            </a:pPr>
+            <a:fld id="{90503C0D-0707-4A07-942E-3F0C914DAF04}" type="datetime1">
+              <a:rPr lang="de-DE" smtClean="0"/>
+              <a:pPr>
+                <a:defRPr/>
+              </a:pPr>
+              <a:t>18.12.2021</a:t>
+            </a:fld>
+            <a:endParaRPr lang="de-DE" dirty="0"/>
+          </a:p>
+        </p:txBody>
+      </p:sp>
+      <p:sp>
+        <p:nvSpPr>
+          <p:cNvPr id="6" name="Foliennummernplatzhalter 5">
+            <a:extLst>
+              <a:ext uri="{FF2B5EF4-FFF2-40B4-BE49-F238E27FC236}">
+                <a16:creationId xmlns:a16="http://schemas.microsoft.com/office/drawing/2014/main" id="{6A0B34F3-0515-4B69-BAFC-42E1429BE82A}"/>
+              </a:ext>
+            </a:extLst>
+          </p:cNvPr>
+          <p:cNvSpPr>
+            <a:spLocks noGrp="1"/>
+          </p:cNvSpPr>
+          <p:nvPr>
+            <p:ph type="sldNum" sz="quarter" idx="15"/>
+          </p:nvPr>
+        </p:nvSpPr>
+        <p:spPr/>
+        <p:txBody>
+          <a:bodyPr/>
+          <a:lstStyle/>
+          <a:p>
+            <a:r>
+              <a:rPr lang="de-DE"/>
+              <a:t>Seite </a:t>
+            </a:r>
+            <a:fld id="{35334651-DA3B-4EB7-B98A-13466C4842BA}" type="slidenum">
+              <a:rPr lang="de-DE" smtClean="0"/>
+              <a:pPr/>
+              <a:t>3</a:t>
+            </a:fld>
+            <a:endParaRPr lang="de-DE"/>
+          </a:p>
+        </p:txBody>
+      </p:sp>
+    </p:spTree>
+    <p:extLst>
+      <p:ext uri="{BB962C8B-B14F-4D97-AF65-F5344CB8AC3E}">
+        <p14:creationId xmlns:p14="http://schemas.microsoft.com/office/powerpoint/2010/main" val="292346344"/>
+      </p:ext>
+    </p:extLst>
+  </p:cSld>
+  <p:clrMapOvr>
+    <a:masterClrMapping/>
+  </p:clrMapOvr>
+</p:sld>
+</file>
+
+<file path=ppt/slides/slide4.xml><?xml version="1.0" encoding="utf-8"?>
+<p:sld xmlns:a="http://schemas.openxmlformats.org/drawingml/2006/main" xmlns:r="http://schemas.openxmlformats.org/officeDocument/2006/relationships" xmlns:p="http://schemas.openxmlformats.org/presentationml/2006/main">
+  <p:cSld>
+    <p:spTree>
+      <p:nvGrpSpPr>
+        <p:cNvPr id="1" name=""/>
+        <p:cNvGrpSpPr/>
+        <p:nvPr/>
+      </p:nvGrpSpPr>
+      <p:grpSpPr>
+        <a:xfrm>
+          <a:off x="0" y="0"/>
+          <a:ext cx="0" cy="0"/>
+          <a:chOff x="0" y="0"/>
+          <a:chExt cx="0" cy="0"/>
+        </a:xfrm>
+      </p:grpSpPr>
+      <p:sp>
+        <p:nvSpPr>
+          <p:cNvPr id="17" name="Titel 16">
+            <a:extLst>
+              <a:ext uri="{FF2B5EF4-FFF2-40B4-BE49-F238E27FC236}">
+                <a16:creationId xmlns:a16="http://schemas.microsoft.com/office/drawing/2014/main" id="{5310A8A3-5C3B-427A-83BE-2B45CDCBD872}"/>
+              </a:ext>
+            </a:extLst>
+          </p:cNvPr>
+          <p:cNvSpPr>
+            <a:spLocks noGrp="1"/>
+          </p:cNvSpPr>
+          <p:nvPr>
+            <p:ph type="title"/>
+          </p:nvPr>
+        </p:nvSpPr>
+        <p:spPr/>
+        <p:txBody>
+          <a:bodyPr/>
+          <a:lstStyle/>
+          <a:p>
+            <a:r>
+              <a:rPr lang="de-DE" dirty="0">
+                <a:latin typeface="Corbel" panose="020B0503020204020204" pitchFamily="34" charset="0"/>
+              </a:rPr>
+              <a:t>UML-Diagramm</a:t>
+            </a:r>
+          </a:p>
+        </p:txBody>
+      </p:sp>
+      <p:pic>
+        <p:nvPicPr>
+          <p:cNvPr id="4" name="Inhaltsplatzhalter 3">
+            <a:extLst>
+              <a:ext uri="{FF2B5EF4-FFF2-40B4-BE49-F238E27FC236}">
+                <a16:creationId xmlns:a16="http://schemas.microsoft.com/office/drawing/2014/main" id="{2F8DD11E-7A8F-4CE3-92B9-462D1B8A7E46}"/>
+              </a:ext>
+            </a:extLst>
+          </p:cNvPr>
+          <p:cNvPicPr>
+            <a:picLocks noGrp="1" noChangeAspect="1"/>
+          </p:cNvPicPr>
+          <p:nvPr>
+            <p:ph sz="quarter" idx="12"/>
+          </p:nvPr>
+        </p:nvPicPr>
+        <p:blipFill>
+          <a:blip r:embed="rId3"/>
+          <a:stretch>
+            <a:fillRect/>
+          </a:stretch>
+        </p:blipFill>
+        <p:spPr>
+          <a:xfrm>
+            <a:off x="904875" y="1609823"/>
+            <a:ext cx="8099425" cy="3814567"/>
+          </a:xfrm>
+        </p:spPr>
+      </p:pic>
+      <p:sp>
+        <p:nvSpPr>
+          <p:cNvPr id="2" name="Textplatzhalter 1">
+            <a:extLst>
+              <a:ext uri="{FF2B5EF4-FFF2-40B4-BE49-F238E27FC236}">
+                <a16:creationId xmlns:a16="http://schemas.microsoft.com/office/drawing/2014/main" id="{D92D76A2-9CAD-4D64-9A5F-4F011AEE8144}"/>
+              </a:ext>
+            </a:extLst>
+          </p:cNvPr>
+          <p:cNvSpPr>
+            <a:spLocks noGrp="1"/>
+          </p:cNvSpPr>
+          <p:nvPr>
+            <p:ph type="body" idx="13"/>
+          </p:nvPr>
+        </p:nvSpPr>
+        <p:spPr/>
+        <p:txBody>
+          <a:bodyPr/>
+          <a:lstStyle/>
+          <a:p>
+            <a:endParaRPr lang="de-DE"/>
+          </a:p>
+        </p:txBody>
+      </p:sp>
+      <p:sp>
+        <p:nvSpPr>
+          <p:cNvPr id="5" name="Datumsplatzhalter 4">
+            <a:extLst>
+              <a:ext uri="{FF2B5EF4-FFF2-40B4-BE49-F238E27FC236}">
+                <a16:creationId xmlns:a16="http://schemas.microsoft.com/office/drawing/2014/main" id="{C319720F-1CD0-4FF4-9890-2105ED7BAD7B}"/>
+              </a:ext>
+            </a:extLst>
+          </p:cNvPr>
+          <p:cNvSpPr>
+            <a:spLocks noGrp="1"/>
+          </p:cNvSpPr>
+          <p:nvPr>
+            <p:ph type="dt" sz="half" idx="14"/>
+          </p:nvPr>
+        </p:nvSpPr>
+        <p:spPr/>
+        <p:txBody>
+          <a:bodyPr/>
+          <a:lstStyle/>
+          <a:p>
+            <a:pPr>
+              <a:defRPr/>
+            </a:pPr>
+            <a:fld id="{90503C0D-0707-4A07-942E-3F0C914DAF04}" type="datetime1">
+              <a:rPr lang="de-DE" smtClean="0"/>
+              <a:pPr>
+                <a:defRPr/>
+              </a:pPr>
+              <a:t>18.12.2021</a:t>
+            </a:fld>
+            <a:endParaRPr lang="de-DE" dirty="0"/>
+          </a:p>
+        </p:txBody>
+      </p:sp>
+      <p:sp>
+        <p:nvSpPr>
+          <p:cNvPr id="6" name="Foliennummernplatzhalter 5">
+            <a:extLst>
+              <a:ext uri="{FF2B5EF4-FFF2-40B4-BE49-F238E27FC236}">
+                <a16:creationId xmlns:a16="http://schemas.microsoft.com/office/drawing/2014/main" id="{6A0B34F3-0515-4B69-BAFC-42E1429BE82A}"/>
+              </a:ext>
+            </a:extLst>
+          </p:cNvPr>
+          <p:cNvSpPr>
+            <a:spLocks noGrp="1"/>
+          </p:cNvSpPr>
+          <p:nvPr>
+            <p:ph type="sldNum" sz="quarter" idx="15"/>
+          </p:nvPr>
+        </p:nvSpPr>
+        <p:spPr/>
+        <p:txBody>
+          <a:bodyPr/>
+          <a:lstStyle/>
+          <a:p>
+            <a:r>
+              <a:rPr lang="de-DE"/>
+              <a:t>Seite </a:t>
+            </a:r>
+            <a:fld id="{35334651-DA3B-4EB7-B98A-13466C4842BA}" type="slidenum">
+              <a:rPr lang="de-DE" smtClean="0"/>
+              <a:pPr/>
+              <a:t>4</a:t>
+            </a:fld>
+            <a:endParaRPr lang="de-DE"/>
+          </a:p>
+        </p:txBody>
+      </p:sp>
+    </p:spTree>
+    <p:extLst>
+      <p:ext uri="{BB962C8B-B14F-4D97-AF65-F5344CB8AC3E}">
+        <p14:creationId xmlns:p14="http://schemas.microsoft.com/office/powerpoint/2010/main" val="1293591853"/>
+      </p:ext>
+    </p:extLst>
+  </p:cSld>
+  <p:clrMapOvr>
+    <a:masterClrMapping/>
+  </p:clrMapOvr>
+</p:sld>
+</file>
+
+<file path=ppt/slides/slide5.xml><?xml version="1.0" encoding="utf-8"?>
+<p:sld xmlns:a="http://schemas.openxmlformats.org/drawingml/2006/main" xmlns:r="http://schemas.openxmlformats.org/officeDocument/2006/relationships" xmlns:p="http://schemas.openxmlformats.org/presentationml/2006/main">
+  <p:cSld>
+    <p:spTree>
+      <p:nvGrpSpPr>
+        <p:cNvPr id="1" name=""/>
+        <p:cNvGrpSpPr/>
+        <p:nvPr/>
+      </p:nvGrpSpPr>
+      <p:grpSpPr>
+        <a:xfrm>
+          <a:off x="0" y="0"/>
+          <a:ext cx="0" cy="0"/>
+          <a:chOff x="0" y="0"/>
+          <a:chExt cx="0" cy="0"/>
+        </a:xfrm>
+      </p:grpSpPr>
+      <p:sp>
+        <p:nvSpPr>
+          <p:cNvPr id="17" name="Titel 16">
+            <a:extLst>
+              <a:ext uri="{FF2B5EF4-FFF2-40B4-BE49-F238E27FC236}">
+                <a16:creationId xmlns:a16="http://schemas.microsoft.com/office/drawing/2014/main" id="{5310A8A3-5C3B-427A-83BE-2B45CDCBD872}"/>
+              </a:ext>
+            </a:extLst>
+          </p:cNvPr>
+          <p:cNvSpPr>
+            <a:spLocks noGrp="1"/>
+          </p:cNvSpPr>
+          <p:nvPr>
+            <p:ph type="title"/>
+          </p:nvPr>
+        </p:nvSpPr>
+        <p:spPr/>
+        <p:txBody>
+          <a:bodyPr/>
+          <a:lstStyle/>
+          <a:p>
+            <a:r>
+              <a:rPr lang="de-DE" dirty="0">
+                <a:latin typeface="Corbel" panose="020B0503020204020204" pitchFamily="34" charset="0"/>
+              </a:rPr>
+              <a:t>Codeausschnitte</a:t>
+            </a:r>
+          </a:p>
+        </p:txBody>
+      </p:sp>
+      <p:sp>
+        <p:nvSpPr>
+          <p:cNvPr id="2" name="Textplatzhalter 1">
+            <a:extLst>
+              <a:ext uri="{FF2B5EF4-FFF2-40B4-BE49-F238E27FC236}">
+                <a16:creationId xmlns:a16="http://schemas.microsoft.com/office/drawing/2014/main" id="{D92D76A2-9CAD-4D64-9A5F-4F011AEE8144}"/>
+              </a:ext>
+            </a:extLst>
+          </p:cNvPr>
+          <p:cNvSpPr>
+            <a:spLocks noGrp="1"/>
+          </p:cNvSpPr>
+          <p:nvPr>
+            <p:ph type="body" idx="13"/>
+          </p:nvPr>
+        </p:nvSpPr>
+        <p:spPr/>
+        <p:txBody>
+          <a:bodyPr/>
+          <a:lstStyle/>
+          <a:p>
+            <a:endParaRPr lang="de-DE"/>
+          </a:p>
+        </p:txBody>
+      </p:sp>
+      <p:sp>
+        <p:nvSpPr>
+          <p:cNvPr id="5" name="Datumsplatzhalter 4">
+            <a:extLst>
+              <a:ext uri="{FF2B5EF4-FFF2-40B4-BE49-F238E27FC236}">
+                <a16:creationId xmlns:a16="http://schemas.microsoft.com/office/drawing/2014/main" id="{C319720F-1CD0-4FF4-9890-2105ED7BAD7B}"/>
+              </a:ext>
+            </a:extLst>
+          </p:cNvPr>
+          <p:cNvSpPr>
+            <a:spLocks noGrp="1"/>
+          </p:cNvSpPr>
+          <p:nvPr>
+            <p:ph type="dt" sz="half" idx="14"/>
+          </p:nvPr>
+        </p:nvSpPr>
+        <p:spPr/>
+        <p:txBody>
+          <a:bodyPr/>
+          <a:lstStyle/>
+          <a:p>
+            <a:pPr>
+              <a:defRPr/>
+            </a:pPr>
+            <a:fld id="{90503C0D-0707-4A07-942E-3F0C914DAF04}" type="datetime1">
+              <a:rPr lang="de-DE" smtClean="0"/>
+              <a:pPr>
+                <a:defRPr/>
+              </a:pPr>
+              <a:t>18.12.2021</a:t>
+            </a:fld>
+            <a:endParaRPr lang="de-DE" dirty="0"/>
+          </a:p>
+        </p:txBody>
+      </p:sp>
+      <p:sp>
+        <p:nvSpPr>
+          <p:cNvPr id="6" name="Foliennummernplatzhalter 5">
+            <a:extLst>
+              <a:ext uri="{FF2B5EF4-FFF2-40B4-BE49-F238E27FC236}">
+                <a16:creationId xmlns:a16="http://schemas.microsoft.com/office/drawing/2014/main" id="{6A0B34F3-0515-4B69-BAFC-42E1429BE82A}"/>
+              </a:ext>
+            </a:extLst>
+          </p:cNvPr>
+          <p:cNvSpPr>
+            <a:spLocks noGrp="1"/>
+          </p:cNvSpPr>
+          <p:nvPr>
+            <p:ph type="sldNum" sz="quarter" idx="15"/>
+          </p:nvPr>
+        </p:nvSpPr>
+        <p:spPr/>
+        <p:txBody>
+          <a:bodyPr/>
+          <a:lstStyle/>
+          <a:p>
+            <a:r>
+              <a:rPr lang="de-DE"/>
+              <a:t>Seite </a:t>
+            </a:r>
+            <a:fld id="{35334651-DA3B-4EB7-B98A-13466C4842BA}" type="slidenum">
+              <a:rPr lang="de-DE" smtClean="0"/>
+              <a:pPr/>
+              <a:t>5</a:t>
+            </a:fld>
+            <a:endParaRPr lang="de-DE"/>
+          </a:p>
+        </p:txBody>
+      </p:sp>
+      <p:sp>
+        <p:nvSpPr>
+          <p:cNvPr id="3" name="Inhaltsplatzhalter 2">
+            <a:extLst>
+              <a:ext uri="{FF2B5EF4-FFF2-40B4-BE49-F238E27FC236}">
+                <a16:creationId xmlns:a16="http://schemas.microsoft.com/office/drawing/2014/main" id="{A622E4CD-65FA-460B-95F9-93CD18E287EF}"/>
+              </a:ext>
+            </a:extLst>
+          </p:cNvPr>
+          <p:cNvSpPr>
+            <a:spLocks noGrp="1"/>
+          </p:cNvSpPr>
+          <p:nvPr>
+            <p:ph sz="quarter" idx="12"/>
+          </p:nvPr>
+        </p:nvSpPr>
+        <p:spPr/>
+        <p:txBody>
+          <a:bodyPr/>
+          <a:lstStyle/>
+          <a:p>
+            <a:r>
+              <a:rPr lang="de-DE" dirty="0"/>
+              <a:t>https://github.com/ppetting/EP_SJPP_Prototyp</a:t>
+            </a:r>
+          </a:p>
+        </p:txBody>
+      </p:sp>
+    </p:spTree>
+    <p:extLst>
+      <p:ext uri="{BB962C8B-B14F-4D97-AF65-F5344CB8AC3E}">
+        <p14:creationId xmlns:p14="http://schemas.microsoft.com/office/powerpoint/2010/main" val="1569559535"/>
+      </p:ext>
+    </p:extLst>
+  </p:cSld>
+  <p:clrMapOvr>
+    <a:masterClrMapping/>
+  </p:clrMapOvr>
+</p:sld>
+</file>
+
+<file path=ppt/slides/slide6.xml><?xml version="1.0" encoding="utf-8"?>
+<p:sld xmlns:a="http://schemas.openxmlformats.org/drawingml/2006/main" xmlns:r="http://schemas.openxmlformats.org/officeDocument/2006/relationships" xmlns:p="http://schemas.openxmlformats.org/presentationml/2006/main">
+  <p:cSld>
+    <p:spTree>
+      <p:nvGrpSpPr>
+        <p:cNvPr id="1" name=""/>
+        <p:cNvGrpSpPr/>
+        <p:nvPr/>
+      </p:nvGrpSpPr>
+      <p:grpSpPr>
+        <a:xfrm>
+          <a:off x="0" y="0"/>
+          <a:ext cx="0" cy="0"/>
+          <a:chOff x="0" y="0"/>
+          <a:chExt cx="0" cy="0"/>
+        </a:xfrm>
+      </p:grpSpPr>
+      <p:sp>
+        <p:nvSpPr>
+          <p:cNvPr id="17" name="Titel 16">
+            <a:extLst>
+              <a:ext uri="{FF2B5EF4-FFF2-40B4-BE49-F238E27FC236}">
+                <a16:creationId xmlns:a16="http://schemas.microsoft.com/office/drawing/2014/main" id="{5310A8A3-5C3B-427A-83BE-2B45CDCBD872}"/>
+              </a:ext>
+            </a:extLst>
+          </p:cNvPr>
+          <p:cNvSpPr>
+            <a:spLocks noGrp="1"/>
+          </p:cNvSpPr>
+          <p:nvPr>
+            <p:ph type="title"/>
+          </p:nvPr>
+        </p:nvSpPr>
+        <p:spPr/>
+        <p:txBody>
+          <a:bodyPr/>
+          <a:lstStyle/>
+          <a:p>
+            <a:r>
+              <a:rPr lang="de-DE" dirty="0">
+                <a:latin typeface="Corbel" panose="020B0503020204020204" pitchFamily="34" charset="0"/>
+              </a:rPr>
+              <a:t>Zukünftige Schritte</a:t>
+            </a:r>
+          </a:p>
+        </p:txBody>
+      </p:sp>
+      <p:sp>
+        <p:nvSpPr>
+          <p:cNvPr id="18" name="Inhaltsplatzhalter 17">
+            <a:extLst>
+              <a:ext uri="{FF2B5EF4-FFF2-40B4-BE49-F238E27FC236}">
+                <a16:creationId xmlns:a16="http://schemas.microsoft.com/office/drawing/2014/main" id="{29C102FF-5B5C-4AE3-A34C-6C250D62A372}"/>
+              </a:ext>
+            </a:extLst>
+          </p:cNvPr>
+          <p:cNvSpPr>
+            <a:spLocks noGrp="1"/>
+          </p:cNvSpPr>
+          <p:nvPr>
+            <p:ph sz="quarter" idx="12"/>
+          </p:nvPr>
+        </p:nvSpPr>
+        <p:spPr/>
+        <p:txBody>
+          <a:bodyPr/>
+          <a:lstStyle/>
+          <a:p>
+            <a:pPr lvl="3" indent="-342900">
+              <a:buFont typeface="Arial" panose="020B0604020202020204" pitchFamily="34" charset="0"/>
+              <a:buChar char="•"/>
+            </a:pPr>
+            <a:r>
+              <a:rPr lang="de-DE" dirty="0">
+                <a:latin typeface="Corbel" panose="020B0503020204020204" pitchFamily="34" charset="0"/>
+              </a:rPr>
+              <a:t>Layout anpassen</a:t>
+            </a:r>
+          </a:p>
+          <a:p>
+            <a:pPr lvl="4" indent="-342900">
+              <a:buFont typeface="Arial" panose="020B0604020202020204" pitchFamily="34" charset="0"/>
+              <a:buChar char="•"/>
+            </a:pPr>
+            <a:r>
+              <a:rPr lang="de-DE" dirty="0">
+                <a:latin typeface="Corbel" panose="020B0503020204020204" pitchFamily="34" charset="0"/>
+              </a:rPr>
+              <a:t>Farben</a:t>
+            </a:r>
+          </a:p>
+          <a:p>
+            <a:pPr lvl="4" indent="-342900">
+              <a:buFont typeface="Arial" panose="020B0604020202020204" pitchFamily="34" charset="0"/>
+              <a:buChar char="•"/>
+            </a:pPr>
+            <a:r>
+              <a:rPr lang="de-DE" dirty="0">
+                <a:latin typeface="Corbel" panose="020B0503020204020204" pitchFamily="34" charset="0"/>
+              </a:rPr>
+              <a:t>Animationen</a:t>
+            </a:r>
+          </a:p>
+          <a:p>
+            <a:pPr lvl="3" indent="-342900">
+              <a:buFont typeface="Arial" panose="020B0604020202020204" pitchFamily="34" charset="0"/>
+              <a:buChar char="•"/>
+            </a:pPr>
+            <a:r>
+              <a:rPr lang="de-DE" dirty="0">
+                <a:latin typeface="Corbel" panose="020B0503020204020204" pitchFamily="34" charset="0"/>
+              </a:rPr>
+              <a:t>Icons anpassen</a:t>
+            </a:r>
+          </a:p>
+          <a:p>
+            <a:pPr lvl="3" indent="-342900">
+              <a:buFont typeface="Arial" panose="020B0604020202020204" pitchFamily="34" charset="0"/>
+              <a:buChar char="•"/>
+            </a:pPr>
+            <a:r>
+              <a:rPr lang="de-DE" dirty="0">
+                <a:latin typeface="Corbel" panose="020B0503020204020204" pitchFamily="34" charset="0"/>
+              </a:rPr>
+              <a:t>Funktionalität erweitern</a:t>
+            </a:r>
+          </a:p>
+          <a:p>
+            <a:pPr lvl="4" indent="-342900">
+              <a:buFont typeface="Arial" panose="020B0604020202020204" pitchFamily="34" charset="0"/>
+              <a:buChar char="•"/>
+            </a:pPr>
+            <a:r>
+              <a:rPr lang="de-DE" dirty="0">
+                <a:latin typeface="Corbel" panose="020B0503020204020204" pitchFamily="34" charset="0"/>
+              </a:rPr>
+              <a:t>Einzellöschung</a:t>
+            </a:r>
+          </a:p>
+          <a:p>
+            <a:pPr lvl="4" indent="-342900">
+              <a:buFont typeface="Arial" panose="020B0604020202020204" pitchFamily="34" charset="0"/>
+              <a:buChar char="•"/>
+            </a:pPr>
+            <a:r>
+              <a:rPr lang="de-DE" dirty="0">
+                <a:latin typeface="Corbel" panose="020B0503020204020204" pitchFamily="34" charset="0"/>
+              </a:rPr>
+              <a:t>Sound</a:t>
+            </a:r>
+          </a:p>
+          <a:p>
+            <a:pPr lvl="4" indent="-342900">
+              <a:buFont typeface="Arial" panose="020B0604020202020204" pitchFamily="34" charset="0"/>
+              <a:buChar char="•"/>
+            </a:pPr>
+            <a:r>
+              <a:rPr lang="de-DE" dirty="0">
+                <a:latin typeface="Corbel" panose="020B0503020204020204" pitchFamily="34" charset="0"/>
+              </a:rPr>
+              <a:t>Userprofile</a:t>
+            </a:r>
+          </a:p>
+          <a:p>
+            <a:pPr lvl="4" indent="-342900">
+              <a:buFont typeface="Arial" panose="020B0604020202020204" pitchFamily="34" charset="0"/>
+              <a:buChar char="•"/>
+            </a:pPr>
+            <a:r>
+              <a:rPr lang="de-DE" dirty="0">
+                <a:latin typeface="Corbel" panose="020B0503020204020204" pitchFamily="34" charset="0"/>
+              </a:rPr>
+              <a:t>Flags</a:t>
+            </a:r>
+          </a:p>
+        </p:txBody>
+      </p:sp>
+      <p:sp>
+        <p:nvSpPr>
+          <p:cNvPr id="2" name="Textplatzhalter 1">
+            <a:extLst>
+              <a:ext uri="{FF2B5EF4-FFF2-40B4-BE49-F238E27FC236}">
+                <a16:creationId xmlns:a16="http://schemas.microsoft.com/office/drawing/2014/main" id="{D92D76A2-9CAD-4D64-9A5F-4F011AEE8144}"/>
+              </a:ext>
+            </a:extLst>
+          </p:cNvPr>
+          <p:cNvSpPr>
+            <a:spLocks noGrp="1"/>
+          </p:cNvSpPr>
+          <p:nvPr>
+            <p:ph type="body" idx="13"/>
+          </p:nvPr>
+        </p:nvSpPr>
+        <p:spPr/>
+        <p:txBody>
+          <a:bodyPr/>
+          <a:lstStyle/>
+          <a:p>
+            <a:endParaRPr lang="de-DE"/>
+          </a:p>
+        </p:txBody>
+      </p:sp>
+      <p:sp>
+        <p:nvSpPr>
+          <p:cNvPr id="5" name="Datumsplatzhalter 4">
+            <a:extLst>
+              <a:ext uri="{FF2B5EF4-FFF2-40B4-BE49-F238E27FC236}">
+                <a16:creationId xmlns:a16="http://schemas.microsoft.com/office/drawing/2014/main" id="{C319720F-1CD0-4FF4-9890-2105ED7BAD7B}"/>
+              </a:ext>
+            </a:extLst>
+          </p:cNvPr>
+          <p:cNvSpPr>
+            <a:spLocks noGrp="1"/>
+          </p:cNvSpPr>
+          <p:nvPr>
+            <p:ph type="dt" sz="half" idx="14"/>
+          </p:nvPr>
+        </p:nvSpPr>
+        <p:spPr/>
+        <p:txBody>
+          <a:bodyPr/>
+          <a:lstStyle/>
+          <a:p>
+            <a:pPr>
+              <a:defRPr/>
+            </a:pPr>
+            <a:fld id="{90503C0D-0707-4A07-942E-3F0C914DAF04}" type="datetime1">
+              <a:rPr lang="de-DE" smtClean="0"/>
+              <a:pPr>
+                <a:defRPr/>
+              </a:pPr>
+              <a:t>18.12.2021</a:t>
+            </a:fld>
+            <a:endParaRPr lang="de-DE" dirty="0"/>
+          </a:p>
+        </p:txBody>
+      </p:sp>
+      <p:sp>
+        <p:nvSpPr>
+          <p:cNvPr id="6" name="Foliennummernplatzhalter 5">
+            <a:extLst>
+              <a:ext uri="{FF2B5EF4-FFF2-40B4-BE49-F238E27FC236}">
+                <a16:creationId xmlns:a16="http://schemas.microsoft.com/office/drawing/2014/main" id="{6A0B34F3-0515-4B69-BAFC-42E1429BE82A}"/>
+              </a:ext>
+            </a:extLst>
+          </p:cNvPr>
+          <p:cNvSpPr>
+            <a:spLocks noGrp="1"/>
+          </p:cNvSpPr>
+          <p:nvPr>
+            <p:ph type="sldNum" sz="quarter" idx="15"/>
+          </p:nvPr>
+        </p:nvSpPr>
+        <p:spPr/>
+        <p:txBody>
+          <a:bodyPr/>
+          <a:lstStyle/>
+          <a:p>
+            <a:r>
+              <a:rPr lang="de-DE"/>
+              <a:t>Seite </a:t>
+            </a:r>
+            <a:fld id="{35334651-DA3B-4EB7-B98A-13466C4842BA}" type="slidenum">
+              <a:rPr lang="de-DE" smtClean="0"/>
+              <a:pPr/>
+              <a:t>6</a:t>
+            </a:fld>
+            <a:endParaRPr lang="de-DE"/>
+          </a:p>
+        </p:txBody>
+      </p:sp>
+    </p:spTree>
+    <p:extLst>
+      <p:ext uri="{BB962C8B-B14F-4D97-AF65-F5344CB8AC3E}">
+        <p14:creationId xmlns:p14="http://schemas.microsoft.com/office/powerpoint/2010/main" val="162874750"/>
       </p:ext>
     </p:extLst>
   </p:cSld>
